--- a/Slides/Week01/00：課程大綱.pptx
+++ b/Slides/Week01/00：課程大綱.pptx
@@ -246,7 +246,7 @@
             <a:fld id="{68F88C59-319B-4332-9A1D-2A62CFCB00D8}" type="datetimeFigureOut">
               <a:rPr lang="en-US" smtClean="0"/>
               <a:pPr/>
-              <a:t>3/13/2024</a:t>
+              <a:t>3/21/2024</a:t>
             </a:fld>
             <a:endParaRPr lang="en-US" dirty="0"/>
           </a:p>
@@ -417,7 +417,7 @@
             <a:fld id="{968B300D-05F0-4B43-940D-46DED5A791AD}" type="datetimeFigureOut">
               <a:rPr lang="en-US" smtClean="0"/>
               <a:pPr/>
-              <a:t>3/13/2024</a:t>
+              <a:t>3/21/2024</a:t>
             </a:fld>
             <a:endParaRPr lang="en-US" dirty="0"/>
           </a:p>
@@ -1872,7 +1872,7 @@
     </p:spTree>
     <p:extLst>
       <p:ext uri="{BB962C8B-B14F-4D97-AF65-F5344CB8AC3E}">
-        <p14:creationId xmlns:p14="http://schemas.microsoft.com/office/powerpoint/2010/main" val="2844381547"/>
+        <p14:creationId xmlns:p14="http://schemas.microsoft.com/office/powerpoint/2010/main" val="166005144"/>
       </p:ext>
     </p:extLst>
   </p:cSld>
@@ -2785,7 +2785,7 @@
                 </a:solidFill>
               </a:rPr>
               <a:pPr/>
-              <a:t>3/13/2024</a:t>
+              <a:t>3/21/2024</a:t>
             </a:fld>
             <a:endParaRPr kumimoji="0" lang="en-US" dirty="0"/>
           </a:p>
@@ -3176,7 +3176,7 @@
                 </a:solidFill>
               </a:rPr>
               <a:pPr/>
-              <a:t>3/13/2024</a:t>
+              <a:t>3/21/2024</a:t>
             </a:fld>
             <a:endParaRPr kumimoji="0" lang="en-US" dirty="0"/>
           </a:p>
@@ -3511,7 +3511,7 @@
                 </a:solidFill>
               </a:rPr>
               <a:pPr/>
-              <a:t>3/13/2024</a:t>
+              <a:t>3/21/2024</a:t>
             </a:fld>
             <a:endParaRPr kumimoji="0" lang="en-US" dirty="0"/>
           </a:p>
@@ -4087,7 +4087,7 @@
                 </a:solidFill>
               </a:rPr>
               <a:pPr/>
-              <a:t>3/13/2024</a:t>
+              <a:t>3/21/2024</a:t>
             </a:fld>
             <a:endParaRPr kumimoji="0" lang="en-US" dirty="0"/>
           </a:p>
@@ -4651,7 +4651,7 @@
                 </a:solidFill>
               </a:rPr>
               <a:pPr/>
-              <a:t>3/13/2024</a:t>
+              <a:t>3/21/2024</a:t>
             </a:fld>
             <a:endParaRPr kumimoji="0" lang="en-US" dirty="0"/>
           </a:p>
@@ -5110,7 +5110,7 @@
                 </a:solidFill>
               </a:rPr>
               <a:pPr/>
-              <a:t>3/13/2024</a:t>
+              <a:t>3/21/2024</a:t>
             </a:fld>
             <a:endParaRPr kumimoji="0" lang="en-US" dirty="0"/>
           </a:p>
@@ -5534,7 +5534,7 @@
                 </a:solidFill>
               </a:rPr>
               <a:pPr/>
-              <a:t>3/13/2024</a:t>
+              <a:t>3/21/2024</a:t>
             </a:fld>
             <a:endParaRPr kumimoji="0" lang="en-US" dirty="0"/>
           </a:p>
@@ -6038,7 +6038,7 @@
                 </a:solidFill>
               </a:rPr>
               <a:pPr/>
-              <a:t>3/13/2024</a:t>
+              <a:t>3/21/2024</a:t>
             </a:fld>
             <a:endParaRPr kumimoji="0" lang="en-US" dirty="0"/>
           </a:p>
@@ -6542,7 +6542,7 @@
                 </a:solidFill>
               </a:rPr>
               <a:pPr/>
-              <a:t>3/13/2024</a:t>
+              <a:t>3/21/2024</a:t>
             </a:fld>
             <a:endParaRPr kumimoji="0" lang="en-US" dirty="0"/>
           </a:p>
@@ -6758,7 +6758,7 @@
                 </a:solidFill>
               </a:rPr>
               <a:pPr/>
-              <a:t>3/13/2024</a:t>
+              <a:t>3/21/2024</a:t>
             </a:fld>
             <a:endParaRPr kumimoji="0" lang="en-US" dirty="0"/>
           </a:p>
@@ -7086,7 +7086,7 @@
                 </a:solidFill>
               </a:rPr>
               <a:pPr/>
-              <a:t>3/13/2024</a:t>
+              <a:t>3/21/2024</a:t>
             </a:fld>
             <a:endParaRPr kumimoji="0" lang="en-US" dirty="0"/>
           </a:p>
@@ -7312,7 +7312,7 @@
                 </a:solidFill>
               </a:rPr>
               <a:pPr/>
-              <a:t>3/13/2024</a:t>
+              <a:t>3/21/2024</a:t>
             </a:fld>
             <a:endParaRPr kumimoji="0" lang="en-US" dirty="0"/>
           </a:p>
@@ -7531,7 +7531,7 @@
                 </a:solidFill>
               </a:rPr>
               <a:pPr/>
-              <a:t>3/13/2024</a:t>
+              <a:t>3/21/2024</a:t>
             </a:fld>
             <a:endParaRPr kumimoji="0" lang="en-US" dirty="0"/>
           </a:p>
@@ -7707,7 +7707,7 @@
             <a:fld id="{ACB2EC6F-6501-4E04-BD6C-A8A6CABB2C5B}" type="datetimeFigureOut">
               <a:rPr kumimoji="0" lang="en-US" smtClean="0"/>
               <a:pPr/>
-              <a:t>3/13/2024</a:t>
+              <a:t>3/21/2024</a:t>
             </a:fld>
             <a:endParaRPr kumimoji="0" lang="en-US" dirty="0"/>
           </a:p>
@@ -7952,7 +7952,7 @@
                 </a:solidFill>
               </a:rPr>
               <a:pPr/>
-              <a:t>3/13/2024</a:t>
+              <a:t>3/21/2024</a:t>
             </a:fld>
             <a:endParaRPr kumimoji="0" lang="en-US" dirty="0"/>
           </a:p>
@@ -8424,7 +8424,7 @@
                 </a:solidFill>
               </a:rPr>
               <a:pPr/>
-              <a:t>3/13/2024</a:t>
+              <a:t>3/21/2024</a:t>
             </a:fld>
             <a:endParaRPr kumimoji="0" lang="en-US" dirty="0"/>
           </a:p>
@@ -8776,7 +8776,7 @@
                 </a:solidFill>
               </a:rPr>
               <a:pPr/>
-              <a:t>3/13/2024</a:t>
+              <a:t>3/21/2024</a:t>
             </a:fld>
             <a:endParaRPr kumimoji="0" lang="en-US" dirty="0"/>
           </a:p>
@@ -9134,7 +9134,7 @@
                 </a:solidFill>
               </a:rPr>
               <a:pPr/>
-              <a:t>3/13/2024</a:t>
+              <a:t>3/21/2024</a:t>
             </a:fld>
             <a:endParaRPr kumimoji="0" lang="en-US" dirty="0"/>
           </a:p>
@@ -9439,7 +9439,7 @@
                 </a:solidFill>
               </a:rPr>
               <a:pPr/>
-              <a:t>3/13/2024</a:t>
+              <a:t>3/21/2024</a:t>
             </a:fld>
             <a:endParaRPr kumimoji="0" lang="en-US" dirty="0"/>
           </a:p>
@@ -9915,7 +9915,7 @@
                 </a:solidFill>
               </a:rPr>
               <a:pPr/>
-              <a:t>3/13/2024</a:t>
+              <a:t>3/21/2024</a:t>
             </a:fld>
             <a:endParaRPr kumimoji="0" lang="en-US" dirty="0"/>
           </a:p>
@@ -10152,7 +10152,7 @@
                 </a:solidFill>
               </a:rPr>
               <a:pPr/>
-              <a:t>3/13/2024</a:t>
+              <a:t>3/21/2024</a:t>
             </a:fld>
             <a:endParaRPr kumimoji="0" lang="en-US" sz="1200" dirty="0">
               <a:solidFill>
@@ -14949,6 +14949,21 @@
               <a:buChar char="•"/>
             </a:pPr>
             <a:r>
+              <a:rPr kumimoji="1" lang="en-US" altLang="zh-TW" sz="3200" dirty="0">
+                <a:effectLst>
+                  <a:outerShdw blurRad="38100" dist="38100" dir="2700000" algn="tl">
+                    <a:srgbClr val="000000">
+                      <a:alpha val="43137"/>
+                    </a:srgbClr>
+                  </a:outerShdw>
+                </a:effectLst>
+                <a:latin typeface="微軟正黑體" panose="020B0604030504040204" pitchFamily="34" charset="-120"/>
+                <a:ea typeface="微軟正黑體" panose="020B0604030504040204" pitchFamily="34" charset="-120"/>
+                <a:cs typeface="Heiti TC Light"/>
+              </a:rPr>
+              <a:t>RLHF</a:t>
+            </a:r>
+            <a:r>
               <a:rPr kumimoji="1" lang="zh-TW" altLang="en-US" sz="3200" dirty="0">
                 <a:effectLst>
                   <a:outerShdw blurRad="38100" dist="38100" dir="2700000" algn="tl">
@@ -14961,7 +14976,7 @@
                 <a:ea typeface="微軟正黑體" panose="020B0604030504040204" pitchFamily="34" charset="-120"/>
                 <a:cs typeface="Heiti TC Light"/>
               </a:rPr>
-              <a:t>大型語言模型的新範式</a:t>
+              <a:t>的問題</a:t>
             </a:r>
             <a:endParaRPr kumimoji="1" lang="en-US" altLang="zh-TW" sz="3200" dirty="0">
               <a:effectLst>
@@ -14982,6 +14997,21 @@
               <a:buChar char="•"/>
             </a:pPr>
             <a:r>
+              <a:rPr kumimoji="1" lang="en-US" altLang="zh-TW" sz="3200" dirty="0">
+                <a:effectLst>
+                  <a:outerShdw blurRad="38100" dist="38100" dir="2700000" algn="tl">
+                    <a:srgbClr val="000000">
+                      <a:alpha val="43137"/>
+                    </a:srgbClr>
+                  </a:outerShdw>
+                </a:effectLst>
+                <a:latin typeface="微軟正黑體" panose="020B0604030504040204" pitchFamily="34" charset="-120"/>
+                <a:ea typeface="微軟正黑體" panose="020B0604030504040204" pitchFamily="34" charset="-120"/>
+                <a:cs typeface="Heiti TC Light"/>
+              </a:rPr>
+              <a:t>DPO</a:t>
+            </a:r>
+            <a:r>
               <a:rPr kumimoji="1" lang="zh-TW" altLang="en-US" sz="3200" dirty="0">
                 <a:effectLst>
                   <a:outerShdw blurRad="38100" dist="38100" dir="2700000" algn="tl">
@@ -14994,37 +15024,7 @@
                 <a:ea typeface="微軟正黑體" panose="020B0604030504040204" pitchFamily="34" charset="-120"/>
                 <a:cs typeface="Heiti TC Light"/>
               </a:rPr>
-              <a:t>給</a:t>
-            </a:r>
-            <a:r>
-              <a:rPr kumimoji="1" lang="en-US" altLang="zh-TW" sz="3200" dirty="0">
-                <a:effectLst>
-                  <a:outerShdw blurRad="38100" dist="38100" dir="2700000" algn="tl">
-                    <a:srgbClr val="000000">
-                      <a:alpha val="43137"/>
-                    </a:srgbClr>
-                  </a:outerShdw>
-                </a:effectLst>
-                <a:latin typeface="微軟正黑體" panose="020B0604030504040204" pitchFamily="34" charset="-120"/>
-                <a:ea typeface="微軟正黑體" panose="020B0604030504040204" pitchFamily="34" charset="-120"/>
-                <a:cs typeface="Heiti TC Light"/>
-              </a:rPr>
-              <a:t>LLM</a:t>
-            </a:r>
-            <a:r>
-              <a:rPr kumimoji="1" lang="zh-TW" altLang="en-US" sz="3200" dirty="0">
-                <a:effectLst>
-                  <a:outerShdw blurRad="38100" dist="38100" dir="2700000" algn="tl">
-                    <a:srgbClr val="000000">
-                      <a:alpha val="43137"/>
-                    </a:srgbClr>
-                  </a:outerShdw>
-                </a:effectLst>
-                <a:latin typeface="微軟正黑體" panose="020B0604030504040204" pitchFamily="34" charset="-120"/>
-                <a:ea typeface="微軟正黑體" panose="020B0604030504040204" pitchFamily="34" charset="-120"/>
-                <a:cs typeface="Heiti TC Light"/>
-              </a:rPr>
-              <a:t>下指令</a:t>
+              <a:t>介紹</a:t>
             </a:r>
           </a:p>
         </p:txBody>
@@ -15039,8 +15039,8 @@
         </p:nvSpPr>
         <p:spPr>
           <a:xfrm>
-            <a:off x="990600" y="304800"/>
-            <a:ext cx="7086600" cy="990600"/>
+            <a:off x="1638300" y="659264"/>
+            <a:ext cx="5867400" cy="990600"/>
           </a:xfrm>
           <a:prstGeom prst="rect">
             <a:avLst/>
@@ -15113,15 +15113,52 @@
                 <a:ea typeface="微軟正黑體" panose="020B0604030504040204" pitchFamily="34" charset="-120"/>
                 <a:cs typeface="+mn-cs"/>
               </a:rPr>
-              <a:t>能不能就不要動模型</a:t>
-            </a:r>
+              <a:t>回到</a:t>
+            </a:r>
+            <a:r>
+              <a:rPr lang="en-US" altLang="zh-TW" sz="4800" b="1" kern="0" dirty="0">
+                <a:solidFill>
+                  <a:srgbClr val="00B0F0"/>
+                </a:solidFill>
+                <a:effectLst>
+                  <a:outerShdw blurRad="38100" dist="38100" dir="2700000" algn="tl">
+                    <a:srgbClr val="000000">
+                      <a:alpha val="43137"/>
+                    </a:srgbClr>
+                  </a:outerShdw>
+                </a:effectLst>
+                <a:latin typeface="微軟正黑體" panose="020B0604030504040204" pitchFamily="34" charset="-120"/>
+                <a:ea typeface="微軟正黑體" panose="020B0604030504040204" pitchFamily="34" charset="-120"/>
+              </a:rPr>
+              <a:t>Supervised Learning</a:t>
+            </a:r>
+            <a:endParaRPr kumimoji="0" lang="zh-TW" altLang="en-US" sz="4800" b="1" i="0" u="none" strike="noStrike" kern="0" cap="none" spc="0" normalizeH="0" baseline="0" noProof="0" dirty="0">
+              <a:ln>
+                <a:noFill/>
+              </a:ln>
+              <a:solidFill>
+                <a:srgbClr val="00B0F0"/>
+              </a:solidFill>
+              <a:effectLst>
+                <a:outerShdw blurRad="38100" dist="38100" dir="2700000" algn="tl">
+                  <a:srgbClr val="000000">
+                    <a:alpha val="43137"/>
+                  </a:srgbClr>
+                </a:outerShdw>
+              </a:effectLst>
+              <a:uLnTx/>
+              <a:uFillTx/>
+              <a:latin typeface="微軟正黑體" panose="020B0604030504040204" pitchFamily="34" charset="-120"/>
+              <a:ea typeface="微軟正黑體" panose="020B0604030504040204" pitchFamily="34" charset="-120"/>
+              <a:cs typeface="+mn-cs"/>
+            </a:endParaRPr>
           </a:p>
         </p:txBody>
       </p:sp>
     </p:spTree>
     <p:extLst>
       <p:ext uri="{BB962C8B-B14F-4D97-AF65-F5344CB8AC3E}">
-        <p14:creationId xmlns:p14="http://schemas.microsoft.com/office/powerpoint/2010/main" val="2434228679"/>
+        <p14:creationId xmlns:p14="http://schemas.microsoft.com/office/powerpoint/2010/main" val="2986141050"/>
       </p:ext>
     </p:extLst>
   </p:cSld>
@@ -15160,7 +15197,7 @@
         <p:spPr>
           <a:xfrm>
             <a:off x="685800" y="1676400"/>
-            <a:ext cx="8077200" cy="5016758"/>
+            <a:ext cx="8077200" cy="4524315"/>
           </a:xfrm>
           <a:prstGeom prst="rect">
             <a:avLst/>
@@ -15345,34 +15382,35 @@
               <a:buAutoNum type="arabicPeriod" startAt="9"/>
             </a:pPr>
             <a:r>
-              <a:rPr lang="zh-TW" altLang="en-US" sz="3200" dirty="0">
-                <a:latin typeface="微軟正黑體" panose="020B0604030504040204" pitchFamily="34" charset="-120"/>
-                <a:ea typeface="微軟正黑體" panose="020B0604030504040204" pitchFamily="34" charset="-120"/>
-              </a:rPr>
-              <a:t>能不能就不要動模型</a:t>
-            </a:r>
-            <a:endParaRPr lang="en-US" altLang="zh-TW" sz="3200" dirty="0">
-              <a:latin typeface="微軟正黑體" panose="020B0604030504040204" pitchFamily="34" charset="-120"/>
-              <a:ea typeface="微軟正黑體" panose="020B0604030504040204" pitchFamily="34" charset="-120"/>
-            </a:endParaRPr>
-          </a:p>
-          <a:p>
-            <a:pPr marL="625475" indent="-625475">
-              <a:buFont typeface="Arial" panose="020B0604020202020204" pitchFamily="34" charset="0"/>
-              <a:buChar char="•"/>
-            </a:pPr>
-            <a:endParaRPr kumimoji="1" lang="en-US" altLang="zh-TW" sz="3200" dirty="0">
-              <a:effectLst>
-                <a:outerShdw blurRad="38100" dist="38100" dir="2700000" algn="tl">
-                  <a:srgbClr val="000000">
-                    <a:alpha val="43137"/>
-                  </a:srgbClr>
-                </a:outerShdw>
-              </a:effectLst>
-              <a:latin typeface="微軟正黑體" panose="020B0604030504040204" pitchFamily="34" charset="-120"/>
-              <a:ea typeface="微軟正黑體" panose="020B0604030504040204" pitchFamily="34" charset="-120"/>
-              <a:cs typeface="Heiti TC Light"/>
-            </a:endParaRPr>
+              <a:rPr kumimoji="1" lang="zh-TW" altLang="en-US" sz="3200" dirty="0">
+                <a:effectLst>
+                  <a:outerShdw blurRad="38100" dist="38100" dir="2700000" algn="tl">
+                    <a:srgbClr val="000000">
+                      <a:alpha val="43137"/>
+                    </a:srgbClr>
+                  </a:outerShdw>
+                </a:effectLst>
+                <a:latin typeface="微軟正黑體" panose="020B0604030504040204" pitchFamily="34" charset="-120"/>
+                <a:ea typeface="微軟正黑體" panose="020B0604030504040204" pitchFamily="34" charset="-120"/>
+                <a:cs typeface="Heiti TC Light"/>
+              </a:rPr>
+              <a:t>回到</a:t>
+            </a:r>
+            <a:r>
+              <a:rPr kumimoji="1" lang="en-US" altLang="zh-TW" sz="3200" dirty="0">
+                <a:effectLst>
+                  <a:outerShdw blurRad="38100" dist="38100" dir="2700000" algn="tl">
+                    <a:srgbClr val="000000">
+                      <a:alpha val="43137"/>
+                    </a:srgbClr>
+                  </a:outerShdw>
+                </a:effectLst>
+                <a:latin typeface="微軟正黑體" panose="020B0604030504040204" pitchFamily="34" charset="-120"/>
+                <a:ea typeface="微軟正黑體" panose="020B0604030504040204" pitchFamily="34" charset="-120"/>
+                <a:cs typeface="Heiti TC Light"/>
+              </a:rPr>
+              <a:t>Supervised Learning</a:t>
+            </a:r>
           </a:p>
         </p:txBody>
       </p:sp>
